--- a/src/graphics-design/sticker/sticker-arrow-up/up-arrow.pptx
+++ b/src/graphics-design/sticker/sticker-arrow-up/up-arrow.pptx
@@ -13,6 +13,7 @@
     <p:sldId id="261" r:id="rId7"/>
     <p:sldId id="262" r:id="rId8"/>
     <p:sldId id="263" r:id="rId9"/>
+    <p:sldId id="264" r:id="rId10"/>
   </p:sldIdLst>
   <p:sldSz cx="1638300" cy="3600450"/>
   <p:notesSz cx="6858000" cy="9144000"/>
@@ -111,6 +112,11 @@
       </a:defRPr>
     </a:lvl9pPr>
   </p:defaultTextStyle>
+  <p:extLst>
+    <p:ext uri="{EFAFB233-063F-42B5-8137-9DF3F51BA10A}">
+      <p15:sldGuideLst xmlns:p15="http://schemas.microsoft.com/office/powerpoint/2012/main"/>
+    </p:ext>
+  </p:extLst>
 </p:presentation>
 </file>
 
@@ -245,7 +251,7 @@
           <a:p>
             <a:fld id="{AE65FD97-3825-4C95-BEA2-0202EA80C7B0}" type="datetimeFigureOut">
               <a:rPr lang="en-US" smtClean="0"/>
-              <a:t>6/9/2020</a:t>
+              <a:t>6/10/2020</a:t>
             </a:fld>
             <a:endParaRPr lang="en-US"/>
           </a:p>
@@ -415,7 +421,7 @@
           <a:p>
             <a:fld id="{AE65FD97-3825-4C95-BEA2-0202EA80C7B0}" type="datetimeFigureOut">
               <a:rPr lang="en-US" smtClean="0"/>
-              <a:t>6/9/2020</a:t>
+              <a:t>6/10/2020</a:t>
             </a:fld>
             <a:endParaRPr lang="en-US"/>
           </a:p>
@@ -595,7 +601,7 @@
           <a:p>
             <a:fld id="{AE65FD97-3825-4C95-BEA2-0202EA80C7B0}" type="datetimeFigureOut">
               <a:rPr lang="en-US" smtClean="0"/>
-              <a:t>6/9/2020</a:t>
+              <a:t>6/10/2020</a:t>
             </a:fld>
             <a:endParaRPr lang="en-US"/>
           </a:p>
@@ -765,7 +771,7 @@
           <a:p>
             <a:fld id="{AE65FD97-3825-4C95-BEA2-0202EA80C7B0}" type="datetimeFigureOut">
               <a:rPr lang="en-US" smtClean="0"/>
-              <a:t>6/9/2020</a:t>
+              <a:t>6/10/2020</a:t>
             </a:fld>
             <a:endParaRPr lang="en-US"/>
           </a:p>
@@ -1009,7 +1015,7 @@
           <a:p>
             <a:fld id="{AE65FD97-3825-4C95-BEA2-0202EA80C7B0}" type="datetimeFigureOut">
               <a:rPr lang="en-US" smtClean="0"/>
-              <a:t>6/9/2020</a:t>
+              <a:t>6/10/2020</a:t>
             </a:fld>
             <a:endParaRPr lang="en-US"/>
           </a:p>
@@ -1241,7 +1247,7 @@
           <a:p>
             <a:fld id="{AE65FD97-3825-4C95-BEA2-0202EA80C7B0}" type="datetimeFigureOut">
               <a:rPr lang="en-US" smtClean="0"/>
-              <a:t>6/9/2020</a:t>
+              <a:t>6/10/2020</a:t>
             </a:fld>
             <a:endParaRPr lang="en-US"/>
           </a:p>
@@ -1608,7 +1614,7 @@
           <a:p>
             <a:fld id="{AE65FD97-3825-4C95-BEA2-0202EA80C7B0}" type="datetimeFigureOut">
               <a:rPr lang="en-US" smtClean="0"/>
-              <a:t>6/9/2020</a:t>
+              <a:t>6/10/2020</a:t>
             </a:fld>
             <a:endParaRPr lang="en-US"/>
           </a:p>
@@ -1726,7 +1732,7 @@
           <a:p>
             <a:fld id="{AE65FD97-3825-4C95-BEA2-0202EA80C7B0}" type="datetimeFigureOut">
               <a:rPr lang="en-US" smtClean="0"/>
-              <a:t>6/9/2020</a:t>
+              <a:t>6/10/2020</a:t>
             </a:fld>
             <a:endParaRPr lang="en-US"/>
           </a:p>
@@ -1821,7 +1827,7 @@
           <a:p>
             <a:fld id="{AE65FD97-3825-4C95-BEA2-0202EA80C7B0}" type="datetimeFigureOut">
               <a:rPr lang="en-US" smtClean="0"/>
-              <a:t>6/9/2020</a:t>
+              <a:t>6/10/2020</a:t>
             </a:fld>
             <a:endParaRPr lang="en-US"/>
           </a:p>
@@ -2098,7 +2104,7 @@
           <a:p>
             <a:fld id="{AE65FD97-3825-4C95-BEA2-0202EA80C7B0}" type="datetimeFigureOut">
               <a:rPr lang="en-US" smtClean="0"/>
-              <a:t>6/9/2020</a:t>
+              <a:t>6/10/2020</a:t>
             </a:fld>
             <a:endParaRPr lang="en-US"/>
           </a:p>
@@ -2355,7 +2361,7 @@
           <a:p>
             <a:fld id="{AE65FD97-3825-4C95-BEA2-0202EA80C7B0}" type="datetimeFigureOut">
               <a:rPr lang="en-US" smtClean="0"/>
-              <a:t>6/9/2020</a:t>
+              <a:t>6/10/2020</a:t>
             </a:fld>
             <a:endParaRPr lang="en-US"/>
           </a:p>
@@ -2568,7 +2574,7 @@
           <a:p>
             <a:fld id="{AE65FD97-3825-4C95-BEA2-0202EA80C7B0}" type="datetimeFigureOut">
               <a:rPr lang="en-US" smtClean="0"/>
-              <a:t>6/9/2020</a:t>
+              <a:t>6/10/2020</a:t>
             </a:fld>
             <a:endParaRPr lang="en-US"/>
           </a:p>
@@ -3692,6 +3698,98 @@
 </p:sld>
 </file>
 
+<file path=ppt/slides/slide9.xml><?xml version="1.0" encoding="utf-8"?>
+<p:sld xmlns:a="http://schemas.openxmlformats.org/drawingml/2006/main" xmlns:r="http://schemas.openxmlformats.org/officeDocument/2006/relationships" xmlns:p="http://schemas.openxmlformats.org/presentationml/2006/main">
+  <p:cSld>
+    <p:spTree>
+      <p:nvGrpSpPr>
+        <p:cNvPr id="1" name=""/>
+        <p:cNvGrpSpPr/>
+        <p:nvPr/>
+      </p:nvGrpSpPr>
+      <p:grpSpPr>
+        <a:xfrm>
+          <a:off x="0" y="0"/>
+          <a:ext cx="0" cy="0"/>
+          <a:chOff x="0" y="0"/>
+          <a:chExt cx="0" cy="0"/>
+        </a:xfrm>
+      </p:grpSpPr>
+      <p:sp>
+        <p:nvSpPr>
+          <p:cNvPr id="4" name="Arrow: Up 3">
+            <a:extLst>
+              <a:ext uri="{FF2B5EF4-FFF2-40B4-BE49-F238E27FC236}">
+                <a16:creationId xmlns:a16="http://schemas.microsoft.com/office/drawing/2014/main" id="{4F0FAC0F-7489-4E9C-B2E3-A1D4FBDA32EB}"/>
+              </a:ext>
+            </a:extLst>
+          </p:cNvPr>
+          <p:cNvSpPr/>
+          <p:nvPr/>
+        </p:nvSpPr>
+        <p:spPr>
+          <a:xfrm>
+            <a:off x="38100" y="238125"/>
+            <a:ext cx="1484313" cy="3124200"/>
+          </a:xfrm>
+          <a:prstGeom prst="upArrow">
+            <a:avLst>
+              <a:gd name="adj1" fmla="val 50000"/>
+              <a:gd name="adj2" fmla="val 101336"/>
+            </a:avLst>
+          </a:prstGeom>
+          <a:solidFill>
+            <a:schemeClr val="tx1"/>
+          </a:solidFill>
+          <a:ln w="38100">
+            <a:solidFill>
+              <a:schemeClr val="tx1"/>
+            </a:solidFill>
+          </a:ln>
+        </p:spPr>
+        <p:style>
+          <a:lnRef idx="2">
+            <a:schemeClr val="accent1">
+              <a:shade val="50000"/>
+            </a:schemeClr>
+          </a:lnRef>
+          <a:fillRef idx="1">
+            <a:schemeClr val="accent1"/>
+          </a:fillRef>
+          <a:effectRef idx="0">
+            <a:schemeClr val="accent1"/>
+          </a:effectRef>
+          <a:fontRef idx="minor">
+            <a:schemeClr val="lt1"/>
+          </a:fontRef>
+        </p:style>
+        <p:txBody>
+          <a:bodyPr rot="0" spcFirstLastPara="0" vertOverflow="overflow" horzOverflow="overflow" vert="horz" wrap="square" lIns="91440" tIns="45720" rIns="91440" bIns="45720" numCol="1" spcCol="0" rtlCol="0" fromWordArt="0" anchor="ctr" anchorCtr="0" forceAA="0" compatLnSpc="1">
+            <a:prstTxWarp prst="textNoShape">
+              <a:avLst/>
+            </a:prstTxWarp>
+            <a:noAutofit/>
+          </a:bodyPr>
+          <a:lstStyle/>
+          <a:p>
+            <a:pPr algn="ctr"/>
+            <a:endParaRPr lang="en-US" dirty="0"/>
+          </a:p>
+        </p:txBody>
+      </p:sp>
+    </p:spTree>
+    <p:extLst>
+      <p:ext uri="{BB962C8B-B14F-4D97-AF65-F5344CB8AC3E}">
+        <p14:creationId xmlns:p14="http://schemas.microsoft.com/office/powerpoint/2010/main" val="2627612916"/>
+      </p:ext>
+    </p:extLst>
+  </p:cSld>
+  <p:clrMapOvr>
+    <a:masterClrMapping/>
+  </p:clrMapOvr>
+</p:sld>
+</file>
+
 <file path=ppt/theme/theme1.xml><?xml version="1.0" encoding="utf-8"?>
 <a:theme xmlns:a="http://schemas.openxmlformats.org/drawingml/2006/main" name="Office Theme">
   <a:themeElements>
